--- a/USA/state/write_ups/02_monthly_temperature_paper/figures/01_journal/temp_figures_31012018.pptx
+++ b/USA/state/write_ups/02_monthly_temperature_paper/figures/01_journal/temp_figures_31012018.pptx
@@ -2989,39 +2989,9 @@
           <a:chExt cx="0" cy="0"/>
         </a:xfrm>
       </p:grpSpPr>
-      <p:sp>
-        <p:nvSpPr>
-          <p:cNvPr id="5" name="TextBox 4"/>
-          <p:cNvSpPr txBox="1"/>
-          <p:nvPr/>
-        </p:nvSpPr>
-        <p:spPr>
-          <a:xfrm>
-            <a:off x="342076" y="357352"/>
-            <a:ext cx="1023586" cy="369332"/>
-          </a:xfrm>
-          <a:prstGeom prst="rect">
-            <a:avLst/>
-          </a:prstGeom>
-          <a:noFill/>
-        </p:spPr>
-        <p:txBody>
-          <a:bodyPr wrap="square" rtlCol="0">
-            <a:spAutoFit/>
-          </a:bodyPr>
-          <a:lstStyle/>
-          <a:p>
-            <a:r>
-              <a:rPr lang="en-US" smtClean="0"/>
-              <a:t>Figure 1</a:t>
-            </a:r>
-            <a:endParaRPr lang="en-US"/>
-          </a:p>
-        </p:txBody>
-      </p:sp>
       <p:pic>
         <p:nvPicPr>
-          <p:cNvPr id="2" name="Picture 1"/>
+          <p:cNvPr id="6" name="Picture 5"/>
           <p:cNvPicPr>
             <a:picLocks noChangeAspect="1"/>
           </p:cNvPicPr>
@@ -3049,6 +3019,36 @@
           </a:prstGeom>
         </p:spPr>
       </p:pic>
+      <p:sp>
+        <p:nvSpPr>
+          <p:cNvPr id="5" name="TextBox 4"/>
+          <p:cNvSpPr txBox="1"/>
+          <p:nvPr/>
+        </p:nvSpPr>
+        <p:spPr>
+          <a:xfrm>
+            <a:off x="342076" y="357352"/>
+            <a:ext cx="1023586" cy="369332"/>
+          </a:xfrm>
+          <a:prstGeom prst="rect">
+            <a:avLst/>
+          </a:prstGeom>
+          <a:noFill/>
+        </p:spPr>
+        <p:txBody>
+          <a:bodyPr wrap="square" rtlCol="0">
+            <a:spAutoFit/>
+          </a:bodyPr>
+          <a:lstStyle/>
+          <a:p>
+            <a:r>
+              <a:rPr lang="en-US" smtClean="0"/>
+              <a:t>Figure 1</a:t>
+            </a:r>
+            <a:endParaRPr lang="en-US"/>
+          </a:p>
+        </p:txBody>
+      </p:sp>
     </p:spTree>
     <p:extLst>
       <p:ext uri="{BB962C8B-B14F-4D97-AF65-F5344CB8AC3E}">
@@ -3219,7 +3219,7 @@
       </p:sp>
       <p:pic>
         <p:nvPicPr>
-          <p:cNvPr id="3" name="Picture 2"/>
+          <p:cNvPr id="6" name="Picture 5"/>
           <p:cNvPicPr>
             <a:picLocks noChangeAspect="1"/>
           </p:cNvPicPr>
@@ -3316,7 +3316,7 @@
       </p:sp>
       <p:pic>
         <p:nvPicPr>
-          <p:cNvPr id="2" name="Picture 1"/>
+          <p:cNvPr id="8" name="Picture 7"/>
           <p:cNvPicPr>
             <a:picLocks noChangeAspect="1"/>
           </p:cNvPicPr>
@@ -3413,7 +3413,7 @@
       </p:sp>
       <p:pic>
         <p:nvPicPr>
-          <p:cNvPr id="3" name="Picture 2"/>
+          <p:cNvPr id="6" name="Picture 5"/>
           <p:cNvPicPr>
             <a:picLocks noChangeAspect="1"/>
           </p:cNvPicPr>
@@ -3510,7 +3510,7 @@
       </p:sp>
       <p:pic>
         <p:nvPicPr>
-          <p:cNvPr id="2" name="Picture 1"/>
+          <p:cNvPr id="4" name="Picture 3"/>
           <p:cNvPicPr>
             <a:picLocks noChangeAspect="1"/>
           </p:cNvPicPr>
